--- a/Results & Findings/KL Tracker.pptx
+++ b/Results & Findings/KL Tracker.pptx
@@ -7,9 +7,10 @@
   <p:sldIdLst>
     <p:sldId id="256" r:id="rId2"/>
     <p:sldId id="257" r:id="rId3"/>
-    <p:sldId id="258" r:id="rId4"/>
-    <p:sldId id="259" r:id="rId5"/>
-    <p:sldId id="260" r:id="rId6"/>
+    <p:sldId id="261" r:id="rId4"/>
+    <p:sldId id="258" r:id="rId5"/>
+    <p:sldId id="259" r:id="rId6"/>
+    <p:sldId id="260" r:id="rId7"/>
   </p:sldIdLst>
   <p:sldSz cx="12192000" cy="6858000"/>
   <p:notesSz cx="6858000" cy="9144000"/>
@@ -3494,8 +3495,8 @@
         </p:nvSpPr>
         <p:spPr>
           <a:xfrm>
-            <a:off x="838200" y="1558925"/>
-            <a:ext cx="10515600" cy="4351338"/>
+            <a:off x="838200" y="1690687"/>
+            <a:ext cx="10515600" cy="4219575"/>
           </a:xfrm>
         </p:spPr>
         <p:txBody>
@@ -3516,40 +3517,24 @@
             </a:r>
           </a:p>
           <a:p>
+            <a:pPr algn="ctr"/>
+            <a:r>
+              <a:rPr lang="en-AU" dirty="0"/>
+              <a:t>Can’t upload this video because it’s too large to add onto git? </a:t>
+            </a:r>
+          </a:p>
+          <a:p>
+            <a:pPr algn="ctr"/>
+            <a:r>
+              <a:rPr lang="en-AU" dirty="0"/>
+              <a:t>Either way next slide is the finished tracking of this video, tracking the calculator perfectly across my room whilst changing in depth, height and width, and moving at faster and slower speeds.</a:t>
+            </a:r>
+          </a:p>
+          <a:p>
             <a:endParaRPr lang="en-AU" dirty="0"/>
           </a:p>
         </p:txBody>
       </p:sp>
-      <p:pic>
-        <p:nvPicPr>
-          <p:cNvPr id="8" name="Picture 7">
-            <a:extLst>
-              <a:ext uri="{FF2B5EF4-FFF2-40B4-BE49-F238E27FC236}">
-                <a16:creationId xmlns:a16="http://schemas.microsoft.com/office/drawing/2014/main" id="{A94B29EB-BFBB-FEAD-F29D-02289E68E913}"/>
-              </a:ext>
-            </a:extLst>
-          </p:cNvPr>
-          <p:cNvPicPr>
-            <a:picLocks noChangeAspect="1"/>
-          </p:cNvPicPr>
-          <p:nvPr/>
-        </p:nvPicPr>
-        <p:blipFill>
-          <a:blip r:embed="rId2"/>
-          <a:stretch>
-            <a:fillRect/>
-          </a:stretch>
-        </p:blipFill>
-        <p:spPr>
-          <a:xfrm>
-            <a:off x="3228109" y="2656102"/>
-            <a:ext cx="5735782" cy="3836773"/>
-          </a:xfrm>
-          <a:prstGeom prst="rect">
-            <a:avLst/>
-          </a:prstGeom>
-        </p:spPr>
-      </p:pic>
     </p:spTree>
     <p:extLst>
       <p:ext uri="{BB962C8B-B14F-4D97-AF65-F5344CB8AC3E}">
@@ -3566,6 +3551,14 @@
 <file path=ppt/slides/slide3.xml><?xml version="1.0" encoding="utf-8"?>
 <p:sld xmlns:a="http://schemas.openxmlformats.org/drawingml/2006/main" xmlns:r="http://schemas.openxmlformats.org/officeDocument/2006/relationships" xmlns:p="http://schemas.openxmlformats.org/presentationml/2006/main">
   <p:cSld>
+    <p:bg>
+      <p:bgPr>
+        <a:solidFill>
+          <a:schemeClr val="tx1"/>
+        </a:solidFill>
+        <a:effectLst/>
+      </p:bgPr>
+    </p:bg>
     <p:spTree>
       <p:nvGrpSpPr>
         <p:cNvPr id="1" name=""/>
@@ -3585,6 +3578,93 @@
           <p:cNvPr id="2" name="Title 1">
             <a:extLst>
               <a:ext uri="{FF2B5EF4-FFF2-40B4-BE49-F238E27FC236}">
+                <a16:creationId xmlns:a16="http://schemas.microsoft.com/office/drawing/2014/main" id="{75A52203-ED6E-9891-45C6-1582999B5B07}"/>
+              </a:ext>
+            </a:extLst>
+          </p:cNvPr>
+          <p:cNvSpPr>
+            <a:spLocks noGrp="1"/>
+          </p:cNvSpPr>
+          <p:nvPr>
+            <p:ph type="title"/>
+          </p:nvPr>
+        </p:nvSpPr>
+        <p:spPr/>
+        <p:txBody>
+          <a:bodyPr/>
+          <a:lstStyle/>
+          <a:p>
+            <a:endParaRPr lang="en-AU"/>
+          </a:p>
+        </p:txBody>
+      </p:sp>
+      <p:pic>
+        <p:nvPicPr>
+          <p:cNvPr id="4" name="Content Placeholder 3">
+            <a:extLst>
+              <a:ext uri="{FF2B5EF4-FFF2-40B4-BE49-F238E27FC236}">
+                <a16:creationId xmlns:a16="http://schemas.microsoft.com/office/drawing/2014/main" id="{E090B426-691D-91F7-CDEF-8C8D457CAEEF}"/>
+              </a:ext>
+            </a:extLst>
+          </p:cNvPr>
+          <p:cNvPicPr>
+            <a:picLocks noGrp="1" noChangeAspect="1"/>
+          </p:cNvPicPr>
+          <p:nvPr>
+            <p:ph idx="1"/>
+          </p:nvPr>
+        </p:nvPicPr>
+        <p:blipFill>
+          <a:blip r:embed="rId2"/>
+          <a:stretch>
+            <a:fillRect/>
+          </a:stretch>
+        </p:blipFill>
+        <p:spPr>
+          <a:xfrm>
+            <a:off x="960782" y="-12089"/>
+            <a:ext cx="10270435" cy="6870089"/>
+          </a:xfrm>
+          <a:prstGeom prst="rect">
+            <a:avLst/>
+          </a:prstGeom>
+        </p:spPr>
+      </p:pic>
+    </p:spTree>
+    <p:extLst>
+      <p:ext uri="{BB962C8B-B14F-4D97-AF65-F5344CB8AC3E}">
+        <p14:creationId xmlns:p14="http://schemas.microsoft.com/office/powerpoint/2010/main" val="190840378"/>
+      </p:ext>
+    </p:extLst>
+  </p:cSld>
+  <p:clrMapOvr>
+    <a:masterClrMapping/>
+  </p:clrMapOvr>
+</p:sld>
+</file>
+
+<file path=ppt/slides/slide4.xml><?xml version="1.0" encoding="utf-8"?>
+<p:sld xmlns:a="http://schemas.openxmlformats.org/drawingml/2006/main" xmlns:r="http://schemas.openxmlformats.org/officeDocument/2006/relationships" xmlns:p="http://schemas.openxmlformats.org/presentationml/2006/main">
+  <p:cSld>
+    <p:spTree>
+      <p:nvGrpSpPr>
+        <p:cNvPr id="1" name=""/>
+        <p:cNvGrpSpPr/>
+        <p:nvPr/>
+      </p:nvGrpSpPr>
+      <p:grpSpPr>
+        <a:xfrm>
+          <a:off x="0" y="0"/>
+          <a:ext cx="0" cy="0"/>
+          <a:chOff x="0" y="0"/>
+          <a:chExt cx="0" cy="0"/>
+        </a:xfrm>
+      </p:grpSpPr>
+      <p:sp>
+        <p:nvSpPr>
+          <p:cNvPr id="2" name="Title 1">
+            <a:extLst>
+              <a:ext uri="{FF2B5EF4-FFF2-40B4-BE49-F238E27FC236}">
                 <a16:creationId xmlns:a16="http://schemas.microsoft.com/office/drawing/2014/main" id="{30D70ACF-8852-2046-92C7-BCEE056861F4}"/>
               </a:ext>
             </a:extLst>
@@ -3703,7 +3783,7 @@
             <a:pPr lvl="1" algn="ctr"/>
             <a:r>
               <a:rPr lang="en-AU" dirty="0"/>
-              <a:t>Left and right video tracking output (can see the slight changes from their 2 different perspectives)</a:t>
+              <a:t>Left and right video tracking output (can see the slight changes from their 2 different perspectives) same process as before with the mono tracking now just twice</a:t>
             </a:r>
           </a:p>
         </p:txBody>
@@ -3762,7 +3842,7 @@
 </p:sld>
 </file>
 
-<file path=ppt/slides/slide4.xml><?xml version="1.0" encoding="utf-8"?>
+<file path=ppt/slides/slide5.xml><?xml version="1.0" encoding="utf-8"?>
 <p:sld xmlns:a="http://schemas.openxmlformats.org/drawingml/2006/main" xmlns:r="http://schemas.openxmlformats.org/officeDocument/2006/relationships" xmlns:p="http://schemas.openxmlformats.org/presentationml/2006/main">
   <p:cSld>
     <p:spTree>
@@ -3807,7 +3887,7 @@
           <a:p>
             <a:r>
               <a:rPr lang="en-AU" dirty="0"/>
-              <a:t>Same tracking but now with depth information found (depth scale in cm)</a:t>
+              <a:t>Same tracking but now with depth information found (depth scale in cm), can find disparity between the 2 points on each frame and depth using basic depth = (focal length * baseline)/disparity</a:t>
             </a:r>
           </a:p>
           <a:p>
@@ -3832,7 +3912,7 @@
         </p:nvGrpSpPr>
         <p:grpSpPr>
           <a:xfrm>
-            <a:off x="83622" y="2356219"/>
+            <a:off x="83622" y="2737523"/>
             <a:ext cx="12024756" cy="4228443"/>
             <a:chOff x="83622" y="1784719"/>
             <a:chExt cx="12024756" cy="4228443"/>
@@ -4039,7 +4119,7 @@
 </p:sld>
 </file>
 
-<file path=ppt/slides/slide5.xml><?xml version="1.0" encoding="utf-8"?>
+<file path=ppt/slides/slide6.xml><?xml version="1.0" encoding="utf-8"?>
 <p:sld xmlns:a="http://schemas.openxmlformats.org/drawingml/2006/main" xmlns:r="http://schemas.openxmlformats.org/officeDocument/2006/relationships" xmlns:p="http://schemas.openxmlformats.org/presentationml/2006/main">
   <p:cSld>
     <p:spTree>
